--- a/UML diagrams.pptx
+++ b/UML diagrams.pptx
@@ -3437,10 +3437,10 @@
       </p:sp>
       <p:sp>
         <p:nvSpPr>
-          <p:cNvPr id="4" name="Rectangle 3">
-            <a:extLst>
-              <a:ext uri="{FF2B5EF4-FFF2-40B4-BE49-F238E27FC236}">
-                <a16:creationId xmlns:a16="http://schemas.microsoft.com/office/drawing/2014/main" id="{2540333D-02D3-4C1C-94B9-293D16C34763}"/>
+          <p:cNvPr id="3" name="Rectangle 2">
+            <a:extLst>
+              <a:ext uri="{FF2B5EF4-FFF2-40B4-BE49-F238E27FC236}">
+                <a16:creationId xmlns:a16="http://schemas.microsoft.com/office/drawing/2014/main" id="{3526809A-2EDB-4F30-AE34-7FF793CDE55E}"/>
               </a:ext>
             </a:extLst>
           </p:cNvPr>
@@ -3449,7 +3449,61 @@
         </p:nvSpPr>
         <p:spPr>
           <a:xfrm>
-            <a:off x="1805912" y="2883017"/>
+            <a:off x="1965278" y="2245056"/>
+            <a:ext cx="8441140" cy="2681785"/>
+          </a:xfrm>
+          <a:prstGeom prst="rect">
+            <a:avLst/>
+          </a:prstGeom>
+          <a:solidFill>
+            <a:schemeClr val="bg1">
+              <a:lumMod val="95000"/>
+            </a:schemeClr>
+          </a:solidFill>
+          <a:ln>
+            <a:noFill/>
+          </a:ln>
+        </p:spPr>
+        <p:style>
+          <a:lnRef idx="2">
+            <a:schemeClr val="accent1">
+              <a:shade val="50000"/>
+            </a:schemeClr>
+          </a:lnRef>
+          <a:fillRef idx="1">
+            <a:schemeClr val="accent1"/>
+          </a:fillRef>
+          <a:effectRef idx="0">
+            <a:schemeClr val="accent1"/>
+          </a:effectRef>
+          <a:fontRef idx="minor">
+            <a:schemeClr val="lt1"/>
+          </a:fontRef>
+        </p:style>
+        <p:txBody>
+          <a:bodyPr rtlCol="0" anchor="ctr"/>
+          <a:lstStyle/>
+          <a:p>
+            <a:pPr algn="ctr"/>
+            <a:endParaRPr lang="en-US"/>
+          </a:p>
+        </p:txBody>
+      </p:sp>
+      <p:sp>
+        <p:nvSpPr>
+          <p:cNvPr id="22" name="Rectangle 21">
+            <a:extLst>
+              <a:ext uri="{FF2B5EF4-FFF2-40B4-BE49-F238E27FC236}">
+                <a16:creationId xmlns:a16="http://schemas.microsoft.com/office/drawing/2014/main" id="{76CAED7D-A23C-468F-8282-B9A6A362EA02}"/>
+              </a:ext>
+            </a:extLst>
+          </p:cNvPr>
+          <p:cNvSpPr/>
+          <p:nvPr/>
+        </p:nvSpPr>
+        <p:spPr>
+          <a:xfrm>
+            <a:off x="2870439" y="2883017"/>
             <a:ext cx="2302066" cy="821534"/>
           </a:xfrm>
           <a:prstGeom prst="rect">
@@ -3498,10 +3552,10 @@
       </p:sp>
       <p:sp>
         <p:nvSpPr>
-          <p:cNvPr id="5" name="Rectangle 4">
-            <a:extLst>
-              <a:ext uri="{FF2B5EF4-FFF2-40B4-BE49-F238E27FC236}">
-                <a16:creationId xmlns:a16="http://schemas.microsoft.com/office/drawing/2014/main" id="{BFAA596B-CCB8-4E6A-A8AD-2852DF36A559}"/>
+          <p:cNvPr id="23" name="Rectangle 22">
+            <a:extLst>
+              <a:ext uri="{FF2B5EF4-FFF2-40B4-BE49-F238E27FC236}">
+                <a16:creationId xmlns:a16="http://schemas.microsoft.com/office/drawing/2014/main" id="{2401E96B-07CA-4027-A454-44666ADAE798}"/>
               </a:ext>
             </a:extLst>
           </p:cNvPr>
@@ -3510,7 +3564,7 @@
         </p:nvSpPr>
         <p:spPr>
           <a:xfrm>
-            <a:off x="5201175" y="4297360"/>
+            <a:off x="6245230" y="4306227"/>
             <a:ext cx="1322598" cy="490181"/>
           </a:xfrm>
           <a:prstGeom prst="rect">
@@ -3545,10 +3599,10 @@
       </p:sp>
       <p:sp>
         <p:nvSpPr>
-          <p:cNvPr id="6" name="Rectangle 5">
-            <a:extLst>
-              <a:ext uri="{FF2B5EF4-FFF2-40B4-BE49-F238E27FC236}">
-                <a16:creationId xmlns:a16="http://schemas.microsoft.com/office/drawing/2014/main" id="{BB2DE647-D508-4C0F-A985-EEC1C82D2D5E}"/>
+          <p:cNvPr id="24" name="Rectangle 23">
+            <a:extLst>
+              <a:ext uri="{FF2B5EF4-FFF2-40B4-BE49-F238E27FC236}">
+                <a16:creationId xmlns:a16="http://schemas.microsoft.com/office/drawing/2014/main" id="{24552907-1060-4BD6-80D9-DEC8C9271105}"/>
               </a:ext>
             </a:extLst>
           </p:cNvPr>
@@ -3557,7 +3611,7 @@
         </p:nvSpPr>
         <p:spPr>
           <a:xfrm>
-            <a:off x="5943174" y="2388357"/>
+            <a:off x="7007701" y="2388357"/>
             <a:ext cx="2552557" cy="490181"/>
           </a:xfrm>
           <a:prstGeom prst="rect">
@@ -3599,10 +3653,10 @@
       </p:sp>
       <p:sp>
         <p:nvSpPr>
-          <p:cNvPr id="7" name="Rectangle 6">
-            <a:extLst>
-              <a:ext uri="{FF2B5EF4-FFF2-40B4-BE49-F238E27FC236}">
-                <a16:creationId xmlns:a16="http://schemas.microsoft.com/office/drawing/2014/main" id="{C4A9F6A5-D9E8-4243-8470-2CAA3381826D}"/>
+          <p:cNvPr id="28" name="Rectangle 27">
+            <a:extLst>
+              <a:ext uri="{FF2B5EF4-FFF2-40B4-BE49-F238E27FC236}">
+                <a16:creationId xmlns:a16="http://schemas.microsoft.com/office/drawing/2014/main" id="{278C1B3C-30AD-4126-9CA3-C09361D6419B}"/>
               </a:ext>
             </a:extLst>
           </p:cNvPr>
@@ -3611,8 +3665,8 @@
         </p:nvSpPr>
         <p:spPr>
           <a:xfrm>
-            <a:off x="6585883" y="4307905"/>
-            <a:ext cx="1254601" cy="493776"/>
+            <a:off x="7617416" y="4302632"/>
+            <a:ext cx="1325880" cy="493776"/>
           </a:xfrm>
           <a:prstGeom prst="rect">
             <a:avLst/>
@@ -3646,23 +3700,23 @@
       </p:sp>
       <p:cxnSp>
         <p:nvCxnSpPr>
-          <p:cNvPr id="9" name="Straight Arrow Connector 8">
-            <a:extLst>
-              <a:ext uri="{FF2B5EF4-FFF2-40B4-BE49-F238E27FC236}">
-                <a16:creationId xmlns:a16="http://schemas.microsoft.com/office/drawing/2014/main" id="{EF61D15C-2D25-4A45-B8CD-ED8225BE9BAD}"/>
+          <p:cNvPr id="29" name="Straight Arrow Connector 28">
+            <a:extLst>
+              <a:ext uri="{FF2B5EF4-FFF2-40B4-BE49-F238E27FC236}">
+                <a16:creationId xmlns:a16="http://schemas.microsoft.com/office/drawing/2014/main" id="{A74114AD-FF32-46A8-9005-BB313EB59B76}"/>
               </a:ext>
             </a:extLst>
           </p:cNvPr>
           <p:cNvCxnSpPr>
             <a:cxnSpLocks/>
-            <a:stCxn id="10" idx="3"/>
-            <a:endCxn id="21" idx="1"/>
+            <a:stCxn id="30" idx="3"/>
+            <a:endCxn id="35" idx="1"/>
           </p:cNvCxnSpPr>
           <p:nvPr/>
         </p:nvCxnSpPr>
         <p:spPr>
           <a:xfrm>
-            <a:off x="4496940" y="3288221"/>
+            <a:off x="5561467" y="3288221"/>
             <a:ext cx="1446235" cy="5563"/>
           </a:xfrm>
           <a:prstGeom prst="straightConnector1">
@@ -3695,10 +3749,10 @@
       </p:cxnSp>
       <p:sp>
         <p:nvSpPr>
-          <p:cNvPr id="10" name="Diamond 9">
-            <a:extLst>
-              <a:ext uri="{FF2B5EF4-FFF2-40B4-BE49-F238E27FC236}">
-                <a16:creationId xmlns:a16="http://schemas.microsoft.com/office/drawing/2014/main" id="{CC45CBB7-1C3D-4C73-88A7-915C36EF43C4}"/>
+          <p:cNvPr id="30" name="Diamond 29">
+            <a:extLst>
+              <a:ext uri="{FF2B5EF4-FFF2-40B4-BE49-F238E27FC236}">
+                <a16:creationId xmlns:a16="http://schemas.microsoft.com/office/drawing/2014/main" id="{7F49E144-DDFE-49FE-8963-CB0A949D1C10}"/>
               </a:ext>
             </a:extLst>
           </p:cNvPr>
@@ -3707,7 +3761,7 @@
         </p:nvSpPr>
         <p:spPr>
           <a:xfrm>
-            <a:off x="4128450" y="3144919"/>
+            <a:off x="5192977" y="3144919"/>
             <a:ext cx="368490" cy="286603"/>
           </a:xfrm>
           <a:prstGeom prst="diamond">
@@ -3755,10 +3809,10 @@
       </p:sp>
       <p:sp>
         <p:nvSpPr>
-          <p:cNvPr id="12" name="Isosceles Triangle 11">
-            <a:extLst>
-              <a:ext uri="{FF2B5EF4-FFF2-40B4-BE49-F238E27FC236}">
-                <a16:creationId xmlns:a16="http://schemas.microsoft.com/office/drawing/2014/main" id="{30052293-C095-40F2-B2F4-87C4E4AFFED6}"/>
+          <p:cNvPr id="32" name="Isosceles Triangle 31">
+            <a:extLst>
+              <a:ext uri="{FF2B5EF4-FFF2-40B4-BE49-F238E27FC236}">
+                <a16:creationId xmlns:a16="http://schemas.microsoft.com/office/drawing/2014/main" id="{B7C0DC31-E903-4EFA-9814-856D86747F10}"/>
               </a:ext>
             </a:extLst>
           </p:cNvPr>
@@ -3767,7 +3821,7 @@
         </p:nvSpPr>
         <p:spPr>
           <a:xfrm>
-            <a:off x="7099822" y="3725519"/>
+            <a:off x="8164349" y="3725519"/>
             <a:ext cx="245660" cy="276367"/>
           </a:xfrm>
           <a:prstGeom prst="triangle">
@@ -3815,24 +3869,24 @@
       </p:sp>
       <p:cxnSp>
         <p:nvCxnSpPr>
-          <p:cNvPr id="16" name="Connector: Elbow 15">
-            <a:extLst>
-              <a:ext uri="{FF2B5EF4-FFF2-40B4-BE49-F238E27FC236}">
-                <a16:creationId xmlns:a16="http://schemas.microsoft.com/office/drawing/2014/main" id="{94C19557-140F-4D1D-BFBB-3AB0E5EBA2C5}"/>
+          <p:cNvPr id="33" name="Connector: Elbow 32">
+            <a:extLst>
+              <a:ext uri="{FF2B5EF4-FFF2-40B4-BE49-F238E27FC236}">
+                <a16:creationId xmlns:a16="http://schemas.microsoft.com/office/drawing/2014/main" id="{91111850-6932-47E3-9238-BE51E6471120}"/>
               </a:ext>
             </a:extLst>
           </p:cNvPr>
           <p:cNvCxnSpPr>
             <a:cxnSpLocks/>
-            <a:stCxn id="12" idx="3"/>
-            <a:endCxn id="5" idx="0"/>
+            <a:stCxn id="32" idx="3"/>
+            <a:endCxn id="23" idx="0"/>
           </p:cNvCxnSpPr>
           <p:nvPr/>
         </p:nvCxnSpPr>
         <p:spPr>
           <a:xfrm rot="5400000">
-            <a:off x="6394826" y="3469534"/>
-            <a:ext cx="295474" cy="1360178"/>
+            <a:off x="7444684" y="3463731"/>
+            <a:ext cx="304341" cy="1380650"/>
           </a:xfrm>
           <a:prstGeom prst="bentConnector3">
             <a:avLst/>
@@ -3864,24 +3918,24 @@
       </p:cxnSp>
       <p:cxnSp>
         <p:nvCxnSpPr>
-          <p:cNvPr id="18" name="Connector: Elbow 17">
-            <a:extLst>
-              <a:ext uri="{FF2B5EF4-FFF2-40B4-BE49-F238E27FC236}">
-                <a16:creationId xmlns:a16="http://schemas.microsoft.com/office/drawing/2014/main" id="{27E74272-C27A-4979-8637-060C57507384}"/>
+          <p:cNvPr id="34" name="Connector: Elbow 33">
+            <a:extLst>
+              <a:ext uri="{FF2B5EF4-FFF2-40B4-BE49-F238E27FC236}">
+                <a16:creationId xmlns:a16="http://schemas.microsoft.com/office/drawing/2014/main" id="{CE343668-1C5D-44F2-8598-595BFFEB1CAC}"/>
               </a:ext>
             </a:extLst>
           </p:cNvPr>
           <p:cNvCxnSpPr>
             <a:cxnSpLocks/>
-            <a:stCxn id="12" idx="3"/>
-            <a:endCxn id="7" idx="0"/>
+            <a:stCxn id="32" idx="3"/>
+            <a:endCxn id="28" idx="0"/>
           </p:cNvCxnSpPr>
           <p:nvPr/>
         </p:nvCxnSpPr>
         <p:spPr>
           <a:xfrm rot="5400000">
-            <a:off x="7064909" y="4150161"/>
-            <a:ext cx="306019" cy="9468"/>
+            <a:off x="8133395" y="4148848"/>
+            <a:ext cx="300746" cy="6823"/>
           </a:xfrm>
           <a:prstGeom prst="bentConnector3">
             <a:avLst>
@@ -3915,10 +3969,10 @@
       </p:cxnSp>
       <p:sp>
         <p:nvSpPr>
-          <p:cNvPr id="21" name="Rectangle 20">
-            <a:extLst>
-              <a:ext uri="{FF2B5EF4-FFF2-40B4-BE49-F238E27FC236}">
-                <a16:creationId xmlns:a16="http://schemas.microsoft.com/office/drawing/2014/main" id="{1DFCA292-085D-42D7-A737-172294DE990D}"/>
+          <p:cNvPr id="35" name="Rectangle 34">
+            <a:extLst>
+              <a:ext uri="{FF2B5EF4-FFF2-40B4-BE49-F238E27FC236}">
+                <a16:creationId xmlns:a16="http://schemas.microsoft.com/office/drawing/2014/main" id="{2009CB80-B605-4705-96D9-FE2D7A0DDA1B}"/>
               </a:ext>
             </a:extLst>
           </p:cNvPr>
@@ -3927,7 +3981,7 @@
         </p:nvSpPr>
         <p:spPr>
           <a:xfrm>
-            <a:off x="5943175" y="2883017"/>
+            <a:off x="7007702" y="2883017"/>
             <a:ext cx="2552557" cy="821534"/>
           </a:xfrm>
           <a:prstGeom prst="rect">
@@ -3969,10 +4023,10 @@
       </p:sp>
       <p:sp>
         <p:nvSpPr>
-          <p:cNvPr id="25" name="Rectangle 24">
-            <a:extLst>
-              <a:ext uri="{FF2B5EF4-FFF2-40B4-BE49-F238E27FC236}">
-                <a16:creationId xmlns:a16="http://schemas.microsoft.com/office/drawing/2014/main" id="{9AE01537-458E-4F09-9981-E0FAC67A714E}"/>
+          <p:cNvPr id="36" name="Rectangle 35">
+            <a:extLst>
+              <a:ext uri="{FF2B5EF4-FFF2-40B4-BE49-F238E27FC236}">
+                <a16:creationId xmlns:a16="http://schemas.microsoft.com/office/drawing/2014/main" id="{BFE37611-81E1-4027-A88B-DBCC3B2452E1}"/>
               </a:ext>
             </a:extLst>
           </p:cNvPr>
@@ -3981,7 +4035,7 @@
         </p:nvSpPr>
         <p:spPr>
           <a:xfrm>
-            <a:off x="1805912" y="2388357"/>
+            <a:off x="2870439" y="2388357"/>
             <a:ext cx="2302066" cy="490181"/>
           </a:xfrm>
           <a:prstGeom prst="rect">
@@ -4023,10 +4077,10 @@
       </p:sp>
       <p:sp>
         <p:nvSpPr>
-          <p:cNvPr id="26" name="Rectangle 25">
-            <a:extLst>
-              <a:ext uri="{FF2B5EF4-FFF2-40B4-BE49-F238E27FC236}">
-                <a16:creationId xmlns:a16="http://schemas.microsoft.com/office/drawing/2014/main" id="{D315870E-D82C-4231-9AC2-C20AF473ED28}"/>
+          <p:cNvPr id="37" name="Rectangle 36">
+            <a:extLst>
+              <a:ext uri="{FF2B5EF4-FFF2-40B4-BE49-F238E27FC236}">
+                <a16:creationId xmlns:a16="http://schemas.microsoft.com/office/drawing/2014/main" id="{3B6D91E4-FF4A-4CDE-B504-A0542A38A14B}"/>
               </a:ext>
             </a:extLst>
           </p:cNvPr>
@@ -4035,8 +4089,8 @@
         </p:nvSpPr>
         <p:spPr>
           <a:xfrm>
-            <a:off x="7894236" y="4297360"/>
-            <a:ext cx="1360178" cy="490181"/>
+            <a:off x="8992883" y="4306227"/>
+            <a:ext cx="1325880" cy="490181"/>
           </a:xfrm>
           <a:prstGeom prst="rect">
             <a:avLst/>
@@ -4070,24 +4124,24 @@
       </p:sp>
       <p:cxnSp>
         <p:nvCxnSpPr>
-          <p:cNvPr id="27" name="Connector: Elbow 26">
-            <a:extLst>
-              <a:ext uri="{FF2B5EF4-FFF2-40B4-BE49-F238E27FC236}">
-                <a16:creationId xmlns:a16="http://schemas.microsoft.com/office/drawing/2014/main" id="{0A7B8F6D-938C-4442-B2C3-A3B653AFFDEF}"/>
+          <p:cNvPr id="38" name="Connector: Elbow 37">
+            <a:extLst>
+              <a:ext uri="{FF2B5EF4-FFF2-40B4-BE49-F238E27FC236}">
+                <a16:creationId xmlns:a16="http://schemas.microsoft.com/office/drawing/2014/main" id="{27CC3091-1376-411D-A625-5E93E1860CC5}"/>
               </a:ext>
             </a:extLst>
           </p:cNvPr>
           <p:cNvCxnSpPr>
             <a:cxnSpLocks/>
-            <a:stCxn id="12" idx="3"/>
-            <a:endCxn id="26" idx="0"/>
+            <a:stCxn id="32" idx="3"/>
+            <a:endCxn id="37" idx="0"/>
           </p:cNvCxnSpPr>
           <p:nvPr/>
         </p:nvCxnSpPr>
         <p:spPr>
           <a:xfrm rot="16200000" flipH="1">
-            <a:off x="7750751" y="3473786"/>
-            <a:ext cx="295474" cy="1351673"/>
+            <a:off x="8819331" y="3469734"/>
+            <a:ext cx="304341" cy="1368644"/>
           </a:xfrm>
           <a:prstGeom prst="bentConnector3">
             <a:avLst>
@@ -4121,10 +4175,10 @@
       </p:cxnSp>
       <p:sp>
         <p:nvSpPr>
-          <p:cNvPr id="31" name="Rectangle 30">
-            <a:extLst>
-              <a:ext uri="{FF2B5EF4-FFF2-40B4-BE49-F238E27FC236}">
-                <a16:creationId xmlns:a16="http://schemas.microsoft.com/office/drawing/2014/main" id="{489B62FF-3BC4-4EE2-9F4A-D9858E71F224}"/>
+          <p:cNvPr id="39" name="Rectangle 38">
+            <a:extLst>
+              <a:ext uri="{FF2B5EF4-FFF2-40B4-BE49-F238E27FC236}">
+                <a16:creationId xmlns:a16="http://schemas.microsoft.com/office/drawing/2014/main" id="{9122FDDB-C6D4-4685-A06A-3DDC0E291EDC}"/>
               </a:ext>
             </a:extLst>
           </p:cNvPr>
@@ -4133,7 +4187,7 @@
         </p:nvSpPr>
         <p:spPr>
           <a:xfrm>
-            <a:off x="1040360" y="4303047"/>
+            <a:off x="2104887" y="4303047"/>
             <a:ext cx="1899598" cy="490181"/>
           </a:xfrm>
           <a:prstGeom prst="rect">
@@ -4168,10 +4222,10 @@
       </p:sp>
       <p:sp>
         <p:nvSpPr>
-          <p:cNvPr id="43" name="Rectangle 42">
-            <a:extLst>
-              <a:ext uri="{FF2B5EF4-FFF2-40B4-BE49-F238E27FC236}">
-                <a16:creationId xmlns:a16="http://schemas.microsoft.com/office/drawing/2014/main" id="{884C1AA5-2C54-4F7C-8E33-F8C460B633A6}"/>
+          <p:cNvPr id="40" name="Rectangle 39">
+            <a:extLst>
+              <a:ext uri="{FF2B5EF4-FFF2-40B4-BE49-F238E27FC236}">
+                <a16:creationId xmlns:a16="http://schemas.microsoft.com/office/drawing/2014/main" id="{5F0AF66F-5E80-4DBA-9B2A-2BF61121C37F}"/>
               </a:ext>
             </a:extLst>
           </p:cNvPr>
@@ -4180,7 +4234,7 @@
         </p:nvSpPr>
         <p:spPr>
           <a:xfrm>
-            <a:off x="3113398" y="4303047"/>
+            <a:off x="4177925" y="4303047"/>
             <a:ext cx="1915804" cy="490181"/>
           </a:xfrm>
           <a:prstGeom prst="rect">
@@ -4215,10 +4269,10 @@
       </p:sp>
       <p:sp>
         <p:nvSpPr>
-          <p:cNvPr id="44" name="Isosceles Triangle 43">
-            <a:extLst>
-              <a:ext uri="{FF2B5EF4-FFF2-40B4-BE49-F238E27FC236}">
-                <a16:creationId xmlns:a16="http://schemas.microsoft.com/office/drawing/2014/main" id="{BF72364B-3871-4C3E-B52E-CF37EA3F7148}"/>
+          <p:cNvPr id="41" name="Isosceles Triangle 40">
+            <a:extLst>
+              <a:ext uri="{FF2B5EF4-FFF2-40B4-BE49-F238E27FC236}">
+                <a16:creationId xmlns:a16="http://schemas.microsoft.com/office/drawing/2014/main" id="{5B31FFC3-45AE-4088-A2C2-A7833E04CE75}"/>
               </a:ext>
             </a:extLst>
           </p:cNvPr>
@@ -4227,7 +4281,7 @@
         </p:nvSpPr>
         <p:spPr>
           <a:xfrm>
-            <a:off x="2897024" y="3704551"/>
+            <a:off x="3961551" y="3704551"/>
             <a:ext cx="245660" cy="276367"/>
           </a:xfrm>
           <a:prstGeom prst="triangle">
@@ -4275,23 +4329,23 @@
       </p:sp>
       <p:cxnSp>
         <p:nvCxnSpPr>
-          <p:cNvPr id="45" name="Connector: Elbow 44">
-            <a:extLst>
-              <a:ext uri="{FF2B5EF4-FFF2-40B4-BE49-F238E27FC236}">
-                <a16:creationId xmlns:a16="http://schemas.microsoft.com/office/drawing/2014/main" id="{4EC705D7-0C41-44D5-B002-D95D2D85E7FD}"/>
+          <p:cNvPr id="42" name="Connector: Elbow 41">
+            <a:extLst>
+              <a:ext uri="{FF2B5EF4-FFF2-40B4-BE49-F238E27FC236}">
+                <a16:creationId xmlns:a16="http://schemas.microsoft.com/office/drawing/2014/main" id="{6B773525-F4E9-4B29-A458-14385CA006AE}"/>
               </a:ext>
             </a:extLst>
           </p:cNvPr>
           <p:cNvCxnSpPr>
             <a:cxnSpLocks/>
-            <a:stCxn id="44" idx="3"/>
-            <a:endCxn id="31" idx="0"/>
+            <a:stCxn id="41" idx="3"/>
+            <a:endCxn id="39" idx="0"/>
           </p:cNvCxnSpPr>
           <p:nvPr/>
         </p:nvCxnSpPr>
         <p:spPr>
           <a:xfrm rot="5400000">
-            <a:off x="2343943" y="3627135"/>
+            <a:off x="3408470" y="3627135"/>
             <a:ext cx="322129" cy="1029695"/>
           </a:xfrm>
           <a:prstGeom prst="bentConnector3">
@@ -4326,23 +4380,23 @@
       </p:cxnSp>
       <p:cxnSp>
         <p:nvCxnSpPr>
-          <p:cNvPr id="48" name="Connector: Elbow 47">
-            <a:extLst>
-              <a:ext uri="{FF2B5EF4-FFF2-40B4-BE49-F238E27FC236}">
-                <a16:creationId xmlns:a16="http://schemas.microsoft.com/office/drawing/2014/main" id="{7C695D30-4AF5-4517-991B-FA76436C1FE8}"/>
+          <p:cNvPr id="46" name="Connector: Elbow 45">
+            <a:extLst>
+              <a:ext uri="{FF2B5EF4-FFF2-40B4-BE49-F238E27FC236}">
+                <a16:creationId xmlns:a16="http://schemas.microsoft.com/office/drawing/2014/main" id="{F6B90B0A-6A52-4693-98BC-E5EAC809DF88}"/>
               </a:ext>
             </a:extLst>
           </p:cNvPr>
           <p:cNvCxnSpPr>
             <a:cxnSpLocks/>
-            <a:stCxn id="44" idx="3"/>
-            <a:endCxn id="43" idx="0"/>
+            <a:stCxn id="41" idx="3"/>
+            <a:endCxn id="40" idx="0"/>
           </p:cNvCxnSpPr>
           <p:nvPr/>
         </p:nvCxnSpPr>
         <p:spPr>
           <a:xfrm rot="16200000" flipH="1">
-            <a:off x="3384513" y="3616259"/>
+            <a:off x="4449040" y="3616259"/>
             <a:ext cx="322129" cy="1051446"/>
           </a:xfrm>
           <a:prstGeom prst="bentConnector3">
